--- a/docs/lectures/lecture_11/11_01_lecture_powerpoint.pptx
+++ b/docs/lectures/lecture_11/11_01_lecture_powerpoint.pptx
@@ -46,7 +46,6 @@
     <p:sldId id="294" r:id="rId40"/>
     <p:sldId id="295" r:id="rId41"/>
     <p:sldId id="296" r:id="rId42"/>
-    <p:sldId id="297" r:id="rId43"/>
   </p:sldIdLst>
   <p:sldSz cx="9144000" cy="5143500" type="screen16x9"/>
   <p:notesSz cx="6858000" cy="9144000"/>
@@ -5065,27 +5064,21 @@
             </a:r>
           </a:p>
           <a:p>
-            <a:pPr lvl="0" indent="0" marL="0">
-              <a:buNone/>
-            </a:pPr>
+            <a:pPr lvl="0"/>
             <a:r>
               <a:rPr/>
               <a:t>Regression T-Test Anova</a:t>
             </a:r>
           </a:p>
           <a:p>
-            <a:pPr lvl="0" indent="0" marL="0">
-              <a:buNone/>
-            </a:pPr>
+            <a:pPr lvl="0"/>
             <a:r>
               <a:rPr/>
               <a:t>Regression Assumptions</a:t>
             </a:r>
           </a:p>
           <a:p>
-            <a:pPr lvl="0" indent="0" marL="0">
-              <a:buNone/>
-            </a:pPr>
+            <a:pPr lvl="0"/>
             <a:r>
               <a:rPr/>
               <a:t>Model II Regression</a:t>
@@ -5438,53 +5431,6 @@
       </p:grpSpPr>
       <p:sp>
         <p:nvSpPr>
-          <p:cNvPr id="3" name="Content Placeholder 2"/>
-          <p:cNvSpPr>
-            <a:spLocks noGrp="1"/>
-          </p:cNvSpPr>
-          <p:nvPr>
-            <p:ph idx="1"/>
-          </p:nvPr>
-        </p:nvSpPr>
-        <p:spPr/>
-        <p:txBody>
-          <a:bodyPr/>
-          <a:lstStyle/>
-          <a:p>
-            <a:pPr lvl="0" indent="0" marL="0">
-              <a:buNone/>
-            </a:pPr>
-            <a:r>
-              <a:rPr/>
-              <a:t>::::</a:t>
-            </a:r>
-          </a:p>
-        </p:txBody>
-      </p:sp>
-    </p:spTree>
-  </p:cSld>
-</p:sld>
-</file>
-
-<file path=ppt/slides/slide24.xml><?xml version="1.0" encoding="utf-8"?>
-<p:sld xmlns:a="http://schemas.openxmlformats.org/drawingml/2006/main" xmlns:r="http://schemas.openxmlformats.org/officeDocument/2006/relationships" xmlns:p="http://schemas.openxmlformats.org/presentationml/2006/main">
-  <p:cSld>
-    <p:spTree>
-      <p:nvGrpSpPr>
-        <p:cNvPr id="1" name=""/>
-        <p:cNvGrpSpPr/>
-        <p:nvPr/>
-      </p:nvGrpSpPr>
-      <p:grpSpPr>
-        <a:xfrm>
-          <a:off x="0" y="0"/>
-          <a:ext cx="0" cy="0"/>
-          <a:chOff x="0" y="0"/>
-          <a:chExt cx="0" cy="0"/>
-        </a:xfrm>
-      </p:grpSpPr>
-      <p:sp>
-        <p:nvSpPr>
           <p:cNvPr id="2" name="Title 1"/>
           <p:cNvSpPr>
             <a:spLocks noGrp="1"/>
@@ -5596,7 +5542,7 @@
 </p:sld>
 </file>
 
-<file path=ppt/slides/slide25.xml><?xml version="1.0" encoding="utf-8"?>
+<file path=ppt/slides/slide24.xml><?xml version="1.0" encoding="utf-8"?>
 <p:sld xmlns:a="http://schemas.openxmlformats.org/drawingml/2006/main" xmlns:r="http://schemas.openxmlformats.org/officeDocument/2006/relationships" xmlns:p="http://schemas.openxmlformats.org/presentationml/2006/main">
   <p:cSld>
     <p:spTree>
@@ -5726,7 +5672,7 @@
 </p:sld>
 </file>
 
-<file path=ppt/slides/slide26.xml><?xml version="1.0" encoding="utf-8"?>
+<file path=ppt/slides/slide25.xml><?xml version="1.0" encoding="utf-8"?>
 <p:sld xmlns:a="http://schemas.openxmlformats.org/drawingml/2006/main" xmlns:r="http://schemas.openxmlformats.org/officeDocument/2006/relationships" xmlns:p="http://schemas.openxmlformats.org/presentationml/2006/main">
   <p:cSld>
     <p:spTree>
@@ -6136,7 +6082,7 @@
 </p:sld>
 </file>
 
-<file path=ppt/slides/slide27.xml><?xml version="1.0" encoding="utf-8"?>
+<file path=ppt/slides/slide26.xml><?xml version="1.0" encoding="utf-8"?>
 <p:sld xmlns:a="http://schemas.openxmlformats.org/drawingml/2006/main" xmlns:r="http://schemas.openxmlformats.org/officeDocument/2006/relationships" xmlns:p="http://schemas.openxmlformats.org/presentationml/2006/main">
   <p:cSld>
     <p:spTree>
@@ -6222,7 +6168,7 @@
 </p:sld>
 </file>
 
-<file path=ppt/slides/slide28.xml><?xml version="1.0" encoding="utf-8"?>
+<file path=ppt/slides/slide27.xml><?xml version="1.0" encoding="utf-8"?>
 <p:sld xmlns:a="http://schemas.openxmlformats.org/drawingml/2006/main" xmlns:r="http://schemas.openxmlformats.org/officeDocument/2006/relationships" xmlns:p="http://schemas.openxmlformats.org/presentationml/2006/main">
   <p:cSld>
     <p:spTree>
@@ -6331,7 +6277,7 @@
 </p:sld>
 </file>
 
-<file path=ppt/slides/slide29.xml><?xml version="1.0" encoding="utf-8"?>
+<file path=ppt/slides/slide28.xml><?xml version="1.0" encoding="utf-8"?>
 <p:sld xmlns:a="http://schemas.openxmlformats.org/drawingml/2006/main" xmlns:r="http://schemas.openxmlformats.org/officeDocument/2006/relationships" xmlns:p="http://schemas.openxmlformats.org/presentationml/2006/main">
   <p:cSld>
     <p:spTree>
@@ -6664,154 +6610,7 @@
 </p:sld>
 </file>
 
-<file path=ppt/slides/slide3.xml><?xml version="1.0" encoding="utf-8"?>
-<p:sld xmlns:a="http://schemas.openxmlformats.org/drawingml/2006/main" xmlns:r="http://schemas.openxmlformats.org/officeDocument/2006/relationships" xmlns:p="http://schemas.openxmlformats.org/presentationml/2006/main">
-  <p:cSld>
-    <p:spTree>
-      <p:nvGrpSpPr>
-        <p:cNvPr id="1" name=""/>
-        <p:cNvGrpSpPr/>
-        <p:nvPr/>
-      </p:nvGrpSpPr>
-      <p:grpSpPr>
-        <a:xfrm>
-          <a:off x="0" y="0"/>
-          <a:ext cx="0" cy="0"/>
-          <a:chOff x="0" y="0"/>
-          <a:chExt cx="0" cy="0"/>
-        </a:xfrm>
-      </p:grpSpPr>
-      <p:sp>
-        <p:nvSpPr>
-          <p:cNvPr id="2" name="Title 1"/>
-          <p:cNvSpPr>
-            <a:spLocks noGrp="1"/>
-          </p:cNvSpPr>
-          <p:nvPr>
-            <p:ph type="title"/>
-          </p:nvPr>
-        </p:nvSpPr>
-        <p:spPr>
-          <a:xfrm>
-            <a:off x="0" y="0"/>
-            <a:ext cx="9144000" cy="582780"/>
-          </a:xfrm>
-        </p:spPr>
-        <p:txBody>
-          <a:bodyPr/>
-          <a:lstStyle/>
-          <a:p>
-            <a:pPr lvl="0" indent="0" marL="0">
-              <a:buNone/>
-            </a:pPr>
-            <a:r>
-              <a:rPr/>
-              <a:t>Lecture 11: Overview</a:t>
-            </a:r>
-          </a:p>
-        </p:txBody>
-      </p:sp>
-      <p:sp>
-        <p:nvSpPr>
-          <p:cNvPr id="3" name="Content Placeholder 2"/>
-          <p:cNvSpPr>
-            <a:spLocks noGrp="1"/>
-          </p:cNvSpPr>
-          <p:nvPr>
-            <p:ph idx="1"/>
-          </p:nvPr>
-        </p:nvSpPr>
-        <p:spPr/>
-        <p:txBody>
-          <a:bodyPr/>
-          <a:lstStyle/>
-          <a:p>
-            <a:pPr lvl="0" indent="0" marL="0">
-              <a:buNone/>
-            </a:pPr>
-            <a:r>
-              <a:rPr/>
-              <a:t>Multiple Linear Regression model</a:t>
-            </a:r>
-          </a:p>
-          <a:p>
-            <a:pPr lvl="0"/>
-            <a:r>
-              <a:rPr/>
-              <a:t>Regression parameters</a:t>
-            </a:r>
-          </a:p>
-          <a:p>
-            <a:pPr lvl="0"/>
-            <a:r>
-              <a:rPr/>
-              <a:t>Analysis of variance</a:t>
-            </a:r>
-          </a:p>
-          <a:p>
-            <a:pPr lvl="0"/>
-            <a:r>
-              <a:rPr/>
-              <a:t>Null hypotheses</a:t>
-            </a:r>
-          </a:p>
-          <a:p>
-            <a:pPr lvl="0"/>
-            <a:r>
-              <a:rPr/>
-              <a:t>Explained variance</a:t>
-            </a:r>
-          </a:p>
-          <a:p>
-            <a:pPr lvl="0"/>
-            <a:r>
-              <a:rPr/>
-              <a:t>Assumptions and diagnostics</a:t>
-            </a:r>
-          </a:p>
-          <a:p>
-            <a:pPr lvl="0"/>
-            <a:r>
-              <a:rPr/>
-              <a:t>Collinearity</a:t>
-            </a:r>
-          </a:p>
-          <a:p>
-            <a:pPr lvl="0"/>
-            <a:r>
-              <a:rPr/>
-              <a:t>Interactions</a:t>
-            </a:r>
-          </a:p>
-          <a:p>
-            <a:pPr lvl="0"/>
-            <a:r>
-              <a:rPr/>
-              <a:t>Dummy variables</a:t>
-            </a:r>
-          </a:p>
-          <a:p>
-            <a:pPr lvl="0"/>
-            <a:r>
-              <a:rPr/>
-              <a:t>Model selection</a:t>
-            </a:r>
-          </a:p>
-          <a:p>
-            <a:pPr lvl="0"/>
-            <a:r>
-              <a:rPr/>
-              <a:t>Importance of predictors</a:t>
-            </a:r>
-          </a:p>
-        </p:txBody>
-      </p:sp>
-    </p:spTree>
-  </p:cSld>
-</p:sld>
-</file>
-
-<file path=ppt/slides/slide30.xml><?xml version="1.0" encoding="utf-8"?>
+<file path=ppt/slides/slide29.xml><?xml version="1.0" encoding="utf-8"?>
 <p:sld xmlns:a="http://schemas.openxmlformats.org/drawingml/2006/main" xmlns:r="http://schemas.openxmlformats.org/officeDocument/2006/relationships" xmlns:p="http://schemas.openxmlformats.org/presentationml/2006/main">
   <p:cSld>
     <p:spTree>
@@ -7133,7 +6932,154 @@
 </p:sld>
 </file>
 
-<file path=ppt/slides/slide31.xml><?xml version="1.0" encoding="utf-8"?>
+<file path=ppt/slides/slide3.xml><?xml version="1.0" encoding="utf-8"?>
+<p:sld xmlns:a="http://schemas.openxmlformats.org/drawingml/2006/main" xmlns:r="http://schemas.openxmlformats.org/officeDocument/2006/relationships" xmlns:p="http://schemas.openxmlformats.org/presentationml/2006/main">
+  <p:cSld>
+    <p:spTree>
+      <p:nvGrpSpPr>
+        <p:cNvPr id="1" name=""/>
+        <p:cNvGrpSpPr/>
+        <p:nvPr/>
+      </p:nvGrpSpPr>
+      <p:grpSpPr>
+        <a:xfrm>
+          <a:off x="0" y="0"/>
+          <a:ext cx="0" cy="0"/>
+          <a:chOff x="0" y="0"/>
+          <a:chExt cx="0" cy="0"/>
+        </a:xfrm>
+      </p:grpSpPr>
+      <p:sp>
+        <p:nvSpPr>
+          <p:cNvPr id="2" name="Title 1"/>
+          <p:cNvSpPr>
+            <a:spLocks noGrp="1"/>
+          </p:cNvSpPr>
+          <p:nvPr>
+            <p:ph type="title"/>
+          </p:nvPr>
+        </p:nvSpPr>
+        <p:spPr>
+          <a:xfrm>
+            <a:off x="0" y="0"/>
+            <a:ext cx="9144000" cy="582780"/>
+          </a:xfrm>
+        </p:spPr>
+        <p:txBody>
+          <a:bodyPr/>
+          <a:lstStyle/>
+          <a:p>
+            <a:pPr lvl="0" indent="0" marL="0">
+              <a:buNone/>
+            </a:pPr>
+            <a:r>
+              <a:rPr/>
+              <a:t>Lecture 11: Overview</a:t>
+            </a:r>
+          </a:p>
+        </p:txBody>
+      </p:sp>
+      <p:sp>
+        <p:nvSpPr>
+          <p:cNvPr id="3" name="Content Placeholder 2"/>
+          <p:cNvSpPr>
+            <a:spLocks noGrp="1"/>
+          </p:cNvSpPr>
+          <p:nvPr>
+            <p:ph idx="1"/>
+          </p:nvPr>
+        </p:nvSpPr>
+        <p:spPr/>
+        <p:txBody>
+          <a:bodyPr/>
+          <a:lstStyle/>
+          <a:p>
+            <a:pPr lvl="0" indent="0" marL="0">
+              <a:buNone/>
+            </a:pPr>
+            <a:r>
+              <a:rPr/>
+              <a:t>Multiple Linear Regression model</a:t>
+            </a:r>
+          </a:p>
+          <a:p>
+            <a:pPr lvl="0"/>
+            <a:r>
+              <a:rPr/>
+              <a:t>Regression parameters</a:t>
+            </a:r>
+          </a:p>
+          <a:p>
+            <a:pPr lvl="0"/>
+            <a:r>
+              <a:rPr/>
+              <a:t>Analysis of variance</a:t>
+            </a:r>
+          </a:p>
+          <a:p>
+            <a:pPr lvl="0"/>
+            <a:r>
+              <a:rPr/>
+              <a:t>Null hypotheses</a:t>
+            </a:r>
+          </a:p>
+          <a:p>
+            <a:pPr lvl="0"/>
+            <a:r>
+              <a:rPr/>
+              <a:t>Explained variance</a:t>
+            </a:r>
+          </a:p>
+          <a:p>
+            <a:pPr lvl="0"/>
+            <a:r>
+              <a:rPr/>
+              <a:t>Assumptions and diagnostics</a:t>
+            </a:r>
+          </a:p>
+          <a:p>
+            <a:pPr lvl="0"/>
+            <a:r>
+              <a:rPr/>
+              <a:t>Collinearity</a:t>
+            </a:r>
+          </a:p>
+          <a:p>
+            <a:pPr lvl="0"/>
+            <a:r>
+              <a:rPr/>
+              <a:t>Interactions</a:t>
+            </a:r>
+          </a:p>
+          <a:p>
+            <a:pPr lvl="0"/>
+            <a:r>
+              <a:rPr/>
+              <a:t>Dummy variables</a:t>
+            </a:r>
+          </a:p>
+          <a:p>
+            <a:pPr lvl="0"/>
+            <a:r>
+              <a:rPr/>
+              <a:t>Model selection</a:t>
+            </a:r>
+          </a:p>
+          <a:p>
+            <a:pPr lvl="0"/>
+            <a:r>
+              <a:rPr/>
+              <a:t>Importance of predictors</a:t>
+            </a:r>
+          </a:p>
+        </p:txBody>
+      </p:sp>
+    </p:spTree>
+  </p:cSld>
+</p:sld>
+</file>
+
+<file path=ppt/slides/slide30.xml><?xml version="1.0" encoding="utf-8"?>
 <p:sld xmlns:a="http://schemas.openxmlformats.org/drawingml/2006/main" xmlns:r="http://schemas.openxmlformats.org/officeDocument/2006/relationships" xmlns:p="http://schemas.openxmlformats.org/presentationml/2006/main">
   <p:cSld>
     <p:spTree>
@@ -7247,7 +7193,7 @@
 </p:sld>
 </file>
 
-<file path=ppt/slides/slide32.xml><?xml version="1.0" encoding="utf-8"?>
+<file path=ppt/slides/slide31.xml><?xml version="1.0" encoding="utf-8"?>
 <p:sld xmlns:a="http://schemas.openxmlformats.org/drawingml/2006/main" xmlns:r="http://schemas.openxmlformats.org/officeDocument/2006/relationships" xmlns:p="http://schemas.openxmlformats.org/presentationml/2006/main">
   <p:cSld>
     <p:spTree>
@@ -7388,7 +7334,7 @@
 </p:sld>
 </file>
 
-<file path=ppt/slides/slide33.xml><?xml version="1.0" encoding="utf-8"?>
+<file path=ppt/slides/slide32.xml><?xml version="1.0" encoding="utf-8"?>
 <p:sld xmlns:a="http://schemas.openxmlformats.org/drawingml/2006/main" xmlns:r="http://schemas.openxmlformats.org/officeDocument/2006/relationships" xmlns:p="http://schemas.openxmlformats.org/presentationml/2006/main">
   <p:cSld>
     <p:spTree>
@@ -7805,6 +7751,131 @@
 </p:sld>
 </file>
 
+<file path=ppt/slides/slide33.xml><?xml version="1.0" encoding="utf-8"?>
+<p:sld xmlns:a="http://schemas.openxmlformats.org/drawingml/2006/main" xmlns:r="http://schemas.openxmlformats.org/officeDocument/2006/relationships" xmlns:p="http://schemas.openxmlformats.org/presentationml/2006/main">
+  <p:cSld>
+    <p:spTree>
+      <p:nvGrpSpPr>
+        <p:cNvPr id="1" name=""/>
+        <p:cNvGrpSpPr/>
+        <p:nvPr/>
+      </p:nvGrpSpPr>
+      <p:grpSpPr>
+        <a:xfrm>
+          <a:off x="0" y="0"/>
+          <a:ext cx="0" cy="0"/>
+          <a:chOff x="0" y="0"/>
+          <a:chExt cx="0" cy="0"/>
+        </a:xfrm>
+      </p:grpSpPr>
+      <p:sp>
+        <p:nvSpPr>
+          <p:cNvPr id="2" name="Title 1"/>
+          <p:cNvSpPr>
+            <a:spLocks noGrp="1"/>
+          </p:cNvSpPr>
+          <p:nvPr>
+            <p:ph type="title"/>
+          </p:nvPr>
+        </p:nvSpPr>
+        <p:spPr>
+          <a:xfrm>
+            <a:off x="0" y="0"/>
+            <a:ext cx="9144000" cy="582780"/>
+          </a:xfrm>
+        </p:spPr>
+        <p:txBody>
+          <a:bodyPr/>
+          <a:lstStyle/>
+          <a:p>
+            <a:pPr lvl="0" indent="0" marL="0">
+              <a:buNone/>
+            </a:pPr>
+            <a:r>
+              <a:rPr b="1"/>
+              <a:t>Lecture 11:</a:t>
+            </a:r>
+            <a:r>
+              <a:rPr/>
+              <a:t> Comparing models</a:t>
+            </a:r>
+          </a:p>
+        </p:txBody>
+      </p:sp>
+      <p:sp>
+        <p:nvSpPr>
+          <p:cNvPr id="3" name="Content Placeholder 2"/>
+          <p:cNvSpPr>
+            <a:spLocks noGrp="1"/>
+          </p:cNvSpPr>
+          <p:nvPr>
+            <p:ph idx="1"/>
+          </p:nvPr>
+        </p:nvSpPr>
+        <p:spPr/>
+        <p:txBody>
+          <a:bodyPr/>
+          <a:lstStyle/>
+          <a:p>
+            <a:pPr lvl="0" indent="0" marL="0">
+              <a:buNone/>
+            </a:pPr>
+            <a:r>
+              <a:rPr/>
+              <a:t>But how to compare models?</a:t>
+            </a:r>
+          </a:p>
+          <a:p>
+            <a:pPr lvl="0"/>
+            <a:r>
+              <a:rPr/>
+              <a:t>Can fit all possible models</a:t>
+            </a:r>
+          </a:p>
+          <a:p>
+            <a:pPr lvl="1"/>
+            <a:r>
+              <a:rPr/>
+              <a:t>compare AICs or adj- r2,</a:t>
+            </a:r>
+          </a:p>
+          <a:p>
+            <a:pPr lvl="1"/>
+            <a:r>
+              <a:rPr/>
+              <a:t>tedious w lots of predictors</a:t>
+            </a:r>
+          </a:p>
+          <a:p>
+            <a:pPr lvl="0"/>
+            <a:r>
+              <a:rPr/>
+              <a:t>Automated forward (and backward) stepwise procedures: start w no terms (all terms), add (remove) terms w largest (smallest)</a:t>
+            </a:r>
+          </a:p>
+          <a:p>
+            <a:pPr lvl="1"/>
+            <a:r>
+              <a:rPr/>
+              <a:t>partial F statistic</a:t>
+            </a:r>
+          </a:p>
+          <a:p>
+            <a:pPr lvl="0" indent="0" marL="0">
+              <a:buNone/>
+            </a:pPr>
+            <a:r>
+              <a:rPr/>
+              <a:t>We will use manual form of backward selection</a:t>
+            </a:r>
+          </a:p>
+        </p:txBody>
+      </p:sp>
+    </p:spTree>
+  </p:cSld>
+</p:sld>
+</file>
+
 <file path=ppt/slides/slide34.xml><?xml version="1.0" encoding="utf-8"?>
 <p:sld xmlns:a="http://schemas.openxmlformats.org/drawingml/2006/main" xmlns:r="http://schemas.openxmlformats.org/officeDocument/2006/relationships" xmlns:p="http://schemas.openxmlformats.org/presentationml/2006/main">
   <p:cSld>
@@ -7851,76 +7922,7 @@
             </a:r>
             <a:r>
               <a:rPr/>
-              <a:t> Comparing models</a:t>
-            </a:r>
-          </a:p>
-        </p:txBody>
-      </p:sp>
-      <p:sp>
-        <p:nvSpPr>
-          <p:cNvPr id="3" name="Content Placeholder 2"/>
-          <p:cNvSpPr>
-            <a:spLocks noGrp="1"/>
-          </p:cNvSpPr>
-          <p:nvPr>
-            <p:ph idx="1"/>
-          </p:nvPr>
-        </p:nvSpPr>
-        <p:spPr/>
-        <p:txBody>
-          <a:bodyPr/>
-          <a:lstStyle/>
-          <a:p>
-            <a:pPr lvl="0" indent="0" marL="0">
-              <a:buNone/>
-            </a:pPr>
-            <a:r>
-              <a:rPr/>
-              <a:t>But how to compare models?</a:t>
-            </a:r>
-          </a:p>
-          <a:p>
-            <a:pPr lvl="0"/>
-            <a:r>
-              <a:rPr/>
-              <a:t>Can fit all possible models</a:t>
-            </a:r>
-          </a:p>
-          <a:p>
-            <a:pPr lvl="1"/>
-            <a:r>
-              <a:rPr/>
-              <a:t>compare AICs or adj- r2,</a:t>
-            </a:r>
-          </a:p>
-          <a:p>
-            <a:pPr lvl="1"/>
-            <a:r>
-              <a:rPr/>
-              <a:t>tedious w lots of predictors</a:t>
-            </a:r>
-          </a:p>
-          <a:p>
-            <a:pPr lvl="0"/>
-            <a:r>
-              <a:rPr/>
-              <a:t>Automated forward (and backward) stepwise procedures: start w no terms (all terms), add (remove) terms w largest (smallest)</a:t>
-            </a:r>
-          </a:p>
-          <a:p>
-            <a:pPr lvl="1"/>
-            <a:r>
-              <a:rPr/>
-              <a:t>partial F statistic</a:t>
-            </a:r>
-          </a:p>
-          <a:p>
-            <a:pPr lvl="0" indent="0" marL="0">
-              <a:buNone/>
-            </a:pPr>
-            <a:r>
-              <a:rPr/>
-              <a:t>We will use manual form of backward selection</a:t>
+              <a:t> Analyses</a:t>
             </a:r>
           </a:p>
         </p:txBody>
@@ -7976,7 +7978,60 @@
             </a:r>
             <a:r>
               <a:rPr/>
-              <a:t> Analyses</a:t>
+              <a:t> Predictors</a:t>
+            </a:r>
+          </a:p>
+        </p:txBody>
+      </p:sp>
+      <p:sp>
+        <p:nvSpPr>
+          <p:cNvPr id="3" name="Content Placeholder 2"/>
+          <p:cNvSpPr>
+            <a:spLocks noGrp="1"/>
+          </p:cNvSpPr>
+          <p:nvPr>
+            <p:ph idx="1"/>
+          </p:nvPr>
+        </p:nvSpPr>
+        <p:spPr/>
+        <p:txBody>
+          <a:bodyPr/>
+          <a:lstStyle/>
+          <a:p>
+            <a:pPr lvl="0" indent="0" marL="0">
+              <a:buNone/>
+            </a:pPr>
+            <a:r>
+              <a:rPr/>
+              <a:t>Usually want to know relative importance of predictors to explaining Y</a:t>
+            </a:r>
+          </a:p>
+          <a:p>
+            <a:pPr lvl="0"/>
+            <a:r>
+              <a:rPr/>
+              <a:t>Three general approaches:</a:t>
+            </a:r>
+          </a:p>
+          <a:p>
+            <a:pPr lvl="0"/>
+            <a:r>
+              <a:rPr/>
+              <a:t>Using F-tests (or t-tests) on partial regression slopes</a:t>
+            </a:r>
+          </a:p>
+          <a:p>
+            <a:pPr lvl="0"/>
+            <a:r>
+              <a:rPr/>
+              <a:t>Using coefficient of partial determination</a:t>
+            </a:r>
+          </a:p>
+          <a:p>
+            <a:pPr lvl="0"/>
+            <a:r>
+              <a:rPr/>
+              <a:t>Using standardized partial regression slopes</a:t>
             </a:r>
           </a:p>
         </p:txBody>
@@ -8057,35 +8112,35 @@
             </a:pPr>
             <a:r>
               <a:rPr/>
-              <a:t>Usually want to know relative importance of predictors to explaining Y</a:t>
+              <a:t>Using F-tests (or t-tests) on partial regression slopes:</a:t>
             </a:r>
           </a:p>
           <a:p>
             <a:pPr lvl="0"/>
             <a:r>
               <a:rPr/>
-              <a:t>Three general approaches:</a:t>
+              <a:t>Conduct F tests of Ho that each partial regression slope = 0</a:t>
             </a:r>
           </a:p>
           <a:p>
             <a:pPr lvl="0"/>
             <a:r>
               <a:rPr/>
-              <a:t>Using F-tests (or t-tests) on partial regression slopes</a:t>
+              <a:t>If cannot reject Ho, discard predictor</a:t>
             </a:r>
           </a:p>
           <a:p>
             <a:pPr lvl="0"/>
             <a:r>
               <a:rPr/>
-              <a:t>Using coefficient of partial determination</a:t>
+              <a:t>Can get additional clues from relative size of F-values</a:t>
             </a:r>
           </a:p>
           <a:p>
             <a:pPr lvl="0"/>
             <a:r>
               <a:rPr/>
-              <a:t>Using standardized partial regression slopes</a:t>
+              <a:t>Does not tell us absolute importance of predictor (usually can not directly compare slope parameters)</a:t>
             </a:r>
           </a:p>
         </p:txBody>
@@ -8096,115 +8151,6 @@
 </file>
 
 <file path=ppt/slides/slide37.xml><?xml version="1.0" encoding="utf-8"?>
-<p:sld xmlns:a="http://schemas.openxmlformats.org/drawingml/2006/main" xmlns:r="http://schemas.openxmlformats.org/officeDocument/2006/relationships" xmlns:p="http://schemas.openxmlformats.org/presentationml/2006/main">
-  <p:cSld>
-    <p:spTree>
-      <p:nvGrpSpPr>
-        <p:cNvPr id="1" name=""/>
-        <p:cNvGrpSpPr/>
-        <p:nvPr/>
-      </p:nvGrpSpPr>
-      <p:grpSpPr>
-        <a:xfrm>
-          <a:off x="0" y="0"/>
-          <a:ext cx="0" cy="0"/>
-          <a:chOff x="0" y="0"/>
-          <a:chExt cx="0" cy="0"/>
-        </a:xfrm>
-      </p:grpSpPr>
-      <p:sp>
-        <p:nvSpPr>
-          <p:cNvPr id="2" name="Title 1"/>
-          <p:cNvSpPr>
-            <a:spLocks noGrp="1"/>
-          </p:cNvSpPr>
-          <p:nvPr>
-            <p:ph type="title"/>
-          </p:nvPr>
-        </p:nvSpPr>
-        <p:spPr>
-          <a:xfrm>
-            <a:off x="0" y="0"/>
-            <a:ext cx="9144000" cy="582780"/>
-          </a:xfrm>
-        </p:spPr>
-        <p:txBody>
-          <a:bodyPr/>
-          <a:lstStyle/>
-          <a:p>
-            <a:pPr lvl="0" indent="0" marL="0">
-              <a:buNone/>
-            </a:pPr>
-            <a:r>
-              <a:rPr b="1"/>
-              <a:t>Lecture 11:</a:t>
-            </a:r>
-            <a:r>
-              <a:rPr/>
-              <a:t> Predictors</a:t>
-            </a:r>
-          </a:p>
-        </p:txBody>
-      </p:sp>
-      <p:sp>
-        <p:nvSpPr>
-          <p:cNvPr id="3" name="Content Placeholder 2"/>
-          <p:cNvSpPr>
-            <a:spLocks noGrp="1"/>
-          </p:cNvSpPr>
-          <p:nvPr>
-            <p:ph idx="1"/>
-          </p:nvPr>
-        </p:nvSpPr>
-        <p:spPr/>
-        <p:txBody>
-          <a:bodyPr/>
-          <a:lstStyle/>
-          <a:p>
-            <a:pPr lvl="0" indent="0" marL="0">
-              <a:buNone/>
-            </a:pPr>
-            <a:r>
-              <a:rPr/>
-              <a:t>Using F-tests (or t-tests) on partial regression slopes:</a:t>
-            </a:r>
-          </a:p>
-          <a:p>
-            <a:pPr lvl="0"/>
-            <a:r>
-              <a:rPr/>
-              <a:t>Conduct F tests of Ho that each partial regression slope = 0</a:t>
-            </a:r>
-          </a:p>
-          <a:p>
-            <a:pPr lvl="0"/>
-            <a:r>
-              <a:rPr/>
-              <a:t>If cannot reject Ho, discard predictor</a:t>
-            </a:r>
-          </a:p>
-          <a:p>
-            <a:pPr lvl="0"/>
-            <a:r>
-              <a:rPr/>
-              <a:t>Can get additional clues from relative size of F-values</a:t>
-            </a:r>
-          </a:p>
-          <a:p>
-            <a:pPr lvl="0"/>
-            <a:r>
-              <a:rPr/>
-              <a:t>Does not tell us absolute importance of predictor (usually can not directly compare slope parameters)</a:t>
-            </a:r>
-          </a:p>
-        </p:txBody>
-      </p:sp>
-    </p:spTree>
-  </p:cSld>
-</p:sld>
-</file>
-
-<file path=ppt/slides/slide38.xml><?xml version="1.0" encoding="utf-8"?>
 <p:sld xmlns:a="http://schemas.openxmlformats.org/drawingml/2006/main" xmlns:r="http://schemas.openxmlformats.org/officeDocument/2006/relationships" xmlns:p="http://schemas.openxmlformats.org/presentationml/2006/main">
   <p:cSld>
     <p:spTree>
@@ -8419,6 +8365,115 @@
 </p:sld>
 </file>
 
+<file path=ppt/slides/slide38.xml><?xml version="1.0" encoding="utf-8"?>
+<p:sld xmlns:a="http://schemas.openxmlformats.org/drawingml/2006/main" xmlns:r="http://schemas.openxmlformats.org/officeDocument/2006/relationships" xmlns:p="http://schemas.openxmlformats.org/presentationml/2006/main">
+  <p:cSld>
+    <p:spTree>
+      <p:nvGrpSpPr>
+        <p:cNvPr id="1" name=""/>
+        <p:cNvGrpSpPr/>
+        <p:nvPr/>
+      </p:nvGrpSpPr>
+      <p:grpSpPr>
+        <a:xfrm>
+          <a:off x="0" y="0"/>
+          <a:ext cx="0" cy="0"/>
+          <a:chOff x="0" y="0"/>
+          <a:chExt cx="0" cy="0"/>
+        </a:xfrm>
+      </p:grpSpPr>
+      <p:sp>
+        <p:nvSpPr>
+          <p:cNvPr id="2" name="Title 1"/>
+          <p:cNvSpPr>
+            <a:spLocks noGrp="1"/>
+          </p:cNvSpPr>
+          <p:nvPr>
+            <p:ph type="title"/>
+          </p:nvPr>
+        </p:nvSpPr>
+        <p:spPr>
+          <a:xfrm>
+            <a:off x="0" y="0"/>
+            <a:ext cx="9144000" cy="582780"/>
+          </a:xfrm>
+        </p:spPr>
+        <p:txBody>
+          <a:bodyPr/>
+          <a:lstStyle/>
+          <a:p>
+            <a:pPr lvl="0" indent="0" marL="0">
+              <a:buNone/>
+            </a:pPr>
+            <a:r>
+              <a:rPr b="1"/>
+              <a:t>Lecture 11:</a:t>
+            </a:r>
+            <a:r>
+              <a:rPr/>
+              <a:t> Predictors</a:t>
+            </a:r>
+          </a:p>
+        </p:txBody>
+      </p:sp>
+      <p:sp>
+        <p:nvSpPr>
+          <p:cNvPr id="3" name="Content Placeholder 2"/>
+          <p:cNvSpPr>
+            <a:spLocks noGrp="1"/>
+          </p:cNvSpPr>
+          <p:nvPr>
+            <p:ph idx="1"/>
+          </p:nvPr>
+        </p:nvSpPr>
+        <p:spPr/>
+        <p:txBody>
+          <a:bodyPr/>
+          <a:lstStyle/>
+          <a:p>
+            <a:pPr lvl="0" indent="0" marL="0">
+              <a:buNone/>
+            </a:pPr>
+            <a:r>
+              <a:rPr/>
+              <a:t>Using standardized partial regression slopes:</a:t>
+            </a:r>
+          </a:p>
+          <a:p>
+            <a:pPr lvl="0"/>
+            <a:r>
+              <a:rPr/>
+              <a:t>predictors of predictor variables can not be directly compared</a:t>
+            </a:r>
+          </a:p>
+          <a:p>
+            <a:pPr lvl="0"/>
+            <a:r>
+              <a:rPr/>
+              <a:t>Why?</a:t>
+            </a:r>
+          </a:p>
+          <a:p>
+            <a:pPr lvl="0"/>
+            <a:r>
+              <a:rPr/>
+              <a:t>Standardize all vars (mean = 0, sd= 1)</a:t>
+            </a:r>
+          </a:p>
+          <a:p>
+            <a:pPr lvl="0"/>
+            <a:r>
+              <a:rPr/>
+              <a:t>Scales are identical and larger PRS mean more important variable</a:t>
+            </a:r>
+          </a:p>
+        </p:txBody>
+      </p:sp>
+    </p:spTree>
+  </p:cSld>
+</p:sld>
+</file>
+
 <file path=ppt/slides/slide39.xml><?xml version="1.0" encoding="utf-8"?>
 <p:sld xmlns:a="http://schemas.openxmlformats.org/drawingml/2006/main" xmlns:r="http://schemas.openxmlformats.org/officeDocument/2006/relationships" xmlns:p="http://schemas.openxmlformats.org/presentationml/2006/main">
   <p:cSld>
@@ -8449,8 +8504,11 @@
         <p:spPr>
           <a:xfrm>
             <a:off x="0" y="0"/>
-            <a:ext cx="9144000" cy="582780"/>
+            <a:ext cx="9144000" cy="602780"/>
           </a:xfrm>
+          <a:solidFill>
+            <a:srgbClr val="70121D"/>
+          </a:solidFill>
         </p:spPr>
         <p:txBody>
           <a:bodyPr/>
@@ -8477,7 +8535,7 @@
             <a:spLocks noGrp="1"/>
           </p:cNvSpPr>
           <p:nvPr>
-            <p:ph idx="1"/>
+            <p:ph idx="1" sz="half"/>
           </p:nvPr>
         </p:nvSpPr>
         <p:spPr/>
@@ -8490,39 +8548,41 @@
             </a:pPr>
             <a:r>
               <a:rPr/>
-              <a:t>Using standardized partial regression slopes:</a:t>
-            </a:r>
-          </a:p>
-          <a:p>
-            <a:pPr lvl="0"/>
-            <a:r>
-              <a:rPr/>
-              <a:t>predictors of predictor variables can not be directly compared</a:t>
-            </a:r>
-          </a:p>
-          <a:p>
-            <a:pPr lvl="0"/>
-            <a:r>
-              <a:rPr/>
-              <a:t>Why?</a:t>
-            </a:r>
-          </a:p>
-          <a:p>
-            <a:pPr lvl="0"/>
-            <a:r>
-              <a:rPr/>
-              <a:t>Standardize all vars (mean = 0, sd= 1)</a:t>
-            </a:r>
-          </a:p>
-          <a:p>
-            <a:pPr lvl="0"/>
-            <a:r>
-              <a:rPr/>
-              <a:t>Scales are identical and larger PRS mean more important variable</a:t>
-            </a:r>
-          </a:p>
-        </p:txBody>
-      </p:sp>
+              <a:t>Using partial r2 values:</a:t>
+            </a:r>
+          </a:p>
+        </p:txBody>
+      </p:sp>
+      <p:pic>
+        <p:nvPicPr>
+          <p:cNvPr descr="images/clipboard-2521916586.png" id="0" name="Picture 1"/>
+          <p:cNvPicPr>
+            <a:picLocks noGrp="1" noChangeAspect="1"/>
+          </p:cNvPicPr>
+          <p:nvPr/>
+        </p:nvPicPr>
+        <p:blipFill>
+          <a:blip r:embed="rId2"/>
+          <a:stretch>
+            <a:fillRect/>
+          </a:stretch>
+        </p:blipFill>
+        <p:spPr bwMode="auto">
+          <a:xfrm>
+            <a:off x="6121400" y="2362200"/>
+            <a:ext cx="2781300" cy="1066800"/>
+          </a:xfrm>
+          <a:prstGeom prst="rect">
+            <a:avLst/>
+          </a:prstGeom>
+          <a:noFill/>
+          <a:ln w="9525">
+            <a:noFill/>
+            <a:headEnd/>
+            <a:tailEnd/>
+          </a:ln>
+        </p:spPr>
+      </p:pic>
     </p:spTree>
   </p:cSld>
 </p:sld>
@@ -8890,120 +8950,6 @@
             </a:r>
             <a:r>
               <a:rPr/>
-              <a:t> Predictors</a:t>
-            </a:r>
-          </a:p>
-        </p:txBody>
-      </p:sp>
-      <p:sp>
-        <p:nvSpPr>
-          <p:cNvPr id="3" name="Content Placeholder 2"/>
-          <p:cNvSpPr>
-            <a:spLocks noGrp="1"/>
-          </p:cNvSpPr>
-          <p:nvPr>
-            <p:ph idx="1" sz="half"/>
-          </p:nvPr>
-        </p:nvSpPr>
-        <p:spPr/>
-        <p:txBody>
-          <a:bodyPr/>
-          <a:lstStyle/>
-          <a:p>
-            <a:pPr lvl="0" indent="0" marL="0">
-              <a:buNone/>
-            </a:pPr>
-            <a:r>
-              <a:rPr/>
-              <a:t>Using partial r2 values:</a:t>
-            </a:r>
-          </a:p>
-        </p:txBody>
-      </p:sp>
-      <p:pic>
-        <p:nvPicPr>
-          <p:cNvPr descr="images/clipboard-2521916586.png" id="0" name="Picture 1"/>
-          <p:cNvPicPr>
-            <a:picLocks noGrp="1" noChangeAspect="1"/>
-          </p:cNvPicPr>
-          <p:nvPr/>
-        </p:nvPicPr>
-        <p:blipFill>
-          <a:blip r:embed="rId2"/>
-          <a:stretch>
-            <a:fillRect/>
-          </a:stretch>
-        </p:blipFill>
-        <p:spPr bwMode="auto">
-          <a:xfrm>
-            <a:off x="6121400" y="2362200"/>
-            <a:ext cx="2781300" cy="1066800"/>
-          </a:xfrm>
-          <a:prstGeom prst="rect">
-            <a:avLst/>
-          </a:prstGeom>
-          <a:noFill/>
-          <a:ln w="9525">
-            <a:noFill/>
-            <a:headEnd/>
-            <a:tailEnd/>
-          </a:ln>
-        </p:spPr>
-      </p:pic>
-    </p:spTree>
-  </p:cSld>
-</p:sld>
-</file>
-
-<file path=ppt/slides/slide41.xml><?xml version="1.0" encoding="utf-8"?>
-<p:sld xmlns:a="http://schemas.openxmlformats.org/drawingml/2006/main" xmlns:r="http://schemas.openxmlformats.org/officeDocument/2006/relationships" xmlns:p="http://schemas.openxmlformats.org/presentationml/2006/main">
-  <p:cSld>
-    <p:spTree>
-      <p:nvGrpSpPr>
-        <p:cNvPr id="1" name=""/>
-        <p:cNvGrpSpPr/>
-        <p:nvPr/>
-      </p:nvGrpSpPr>
-      <p:grpSpPr>
-        <a:xfrm>
-          <a:off x="0" y="0"/>
-          <a:ext cx="0" cy="0"/>
-          <a:chOff x="0" y="0"/>
-          <a:chExt cx="0" cy="0"/>
-        </a:xfrm>
-      </p:grpSpPr>
-      <p:sp>
-        <p:nvSpPr>
-          <p:cNvPr id="2" name="Title 1"/>
-          <p:cNvSpPr>
-            <a:spLocks noGrp="1"/>
-          </p:cNvSpPr>
-          <p:nvPr>
-            <p:ph type="title"/>
-          </p:nvPr>
-        </p:nvSpPr>
-        <p:spPr>
-          <a:xfrm>
-            <a:off x="0" y="0"/>
-            <a:ext cx="9144000" cy="602780"/>
-          </a:xfrm>
-          <a:solidFill>
-            <a:srgbClr val="70121D"/>
-          </a:solidFill>
-        </p:spPr>
-        <p:txBody>
-          <a:bodyPr/>
-          <a:lstStyle/>
-          <a:p>
-            <a:pPr lvl="0" indent="0" marL="0">
-              <a:buNone/>
-            </a:pPr>
-            <a:r>
-              <a:rPr b="1"/>
-              <a:t>Lecture 11:</a:t>
-            </a:r>
-            <a:r>
-              <a:rPr/>
               <a:t> Reporting results</a:t>
             </a:r>
           </a:p>
@@ -9069,7 +9015,7 @@
 </p:sld>
 </file>
 
-<file path=ppt/slides/slide42.xml><?xml version="1.0" encoding="utf-8"?>
+<file path=ppt/slides/slide41.xml><?xml version="1.0" encoding="utf-8"?>
 <p:sld xmlns:a="http://schemas.openxmlformats.org/drawingml/2006/main" xmlns:r="http://schemas.openxmlformats.org/officeDocument/2006/relationships" xmlns:p="http://schemas.openxmlformats.org/presentationml/2006/main">
   <p:cSld>
     <p:spTree>
